--- a/Pitch.pptx
+++ b/Pitch.pptx
@@ -3373,10 +3373,30 @@
           <a:lstStyle/>
           <a:p>
             <a:r>
-              <a:rPr lang="en-US" dirty="0" smtClean="0"/>
+              <a:rPr lang="en-US" b="1" dirty="0" smtClean="0">
+                <a:solidFill>
+                  <a:schemeClr val="tx1">
+                    <a:lumMod val="75000"/>
+                    <a:lumOff val="25000"/>
+                  </a:schemeClr>
+                </a:solidFill>
+                <a:latin typeface="Nunito" charset="0"/>
+                <a:ea typeface="Nunito" charset="0"/>
+                <a:cs typeface="Nunito" charset="0"/>
+              </a:rPr>
               <a:t>History of the Problem</a:t>
             </a:r>
-            <a:endParaRPr lang="en-US" dirty="0"/>
+            <a:endParaRPr lang="en-US" b="1" dirty="0">
+              <a:solidFill>
+                <a:schemeClr val="tx1">
+                  <a:lumMod val="75000"/>
+                  <a:lumOff val="25000"/>
+                </a:schemeClr>
+              </a:solidFill>
+              <a:latin typeface="Nunito" charset="0"/>
+              <a:ea typeface="Nunito" charset="0"/>
+              <a:cs typeface="Nunito" charset="0"/>
+            </a:endParaRPr>
           </a:p>
         </p:txBody>
       </p:sp>
@@ -3396,50 +3416,150 @@
           <a:lstStyle/>
           <a:p>
             <a:r>
-              <a:rPr lang="en-US" dirty="0" smtClean="0"/>
+              <a:rPr lang="en-US" dirty="0" smtClean="0">
+                <a:solidFill>
+                  <a:schemeClr val="tx1">
+                    <a:lumMod val="75000"/>
+                    <a:lumOff val="25000"/>
+                  </a:schemeClr>
+                </a:solidFill>
+                <a:latin typeface="Nunito" charset="0"/>
+                <a:ea typeface="Nunito" charset="0"/>
+                <a:cs typeface="Nunito" charset="0"/>
+              </a:rPr>
               <a:t>At catering events</a:t>
             </a:r>
             <a:r>
-              <a:rPr lang="mr-IN" dirty="0" smtClean="0"/>
+              <a:rPr lang="mr-IN" dirty="0" smtClean="0">
+                <a:solidFill>
+                  <a:schemeClr val="tx1">
+                    <a:lumMod val="75000"/>
+                    <a:lumOff val="25000"/>
+                  </a:schemeClr>
+                </a:solidFill>
+                <a:latin typeface="Nunito" charset="0"/>
+                <a:ea typeface="Nunito" charset="0"/>
+                <a:cs typeface="Nunito" charset="0"/>
+              </a:rPr>
               <a:t>…</a:t>
             </a:r>
-            <a:endParaRPr lang="en-CA" dirty="0" smtClean="0"/>
+            <a:endParaRPr lang="en-CA" dirty="0" smtClean="0">
+              <a:solidFill>
+                <a:schemeClr val="tx1">
+                  <a:lumMod val="75000"/>
+                  <a:lumOff val="25000"/>
+                </a:schemeClr>
+              </a:solidFill>
+              <a:latin typeface="Nunito" charset="0"/>
+              <a:ea typeface="Nunito" charset="0"/>
+              <a:cs typeface="Nunito" charset="0"/>
+            </a:endParaRPr>
           </a:p>
           <a:p>
             <a:pPr lvl="1"/>
             <a:r>
-              <a:rPr lang="en-CA" dirty="0" smtClean="0"/>
+              <a:rPr lang="en-CA" dirty="0" smtClean="0">
+                <a:solidFill>
+                  <a:schemeClr val="tx1">
+                    <a:lumMod val="75000"/>
+                    <a:lumOff val="25000"/>
+                  </a:schemeClr>
+                </a:solidFill>
+                <a:latin typeface="Nunito" charset="0"/>
+                <a:ea typeface="Nunito" charset="0"/>
+                <a:cs typeface="Nunito" charset="0"/>
+              </a:rPr>
               <a:t>Attendees may not be asked of their dietary restrictions or were forgotten</a:t>
             </a:r>
           </a:p>
           <a:p>
             <a:pPr lvl="1"/>
             <a:r>
-              <a:rPr lang="en-CA" dirty="0" smtClean="0"/>
+              <a:rPr lang="en-CA" dirty="0" smtClean="0">
+                <a:solidFill>
+                  <a:schemeClr val="tx1">
+                    <a:lumMod val="75000"/>
+                    <a:lumOff val="25000"/>
+                  </a:schemeClr>
+                </a:solidFill>
+                <a:latin typeface="Nunito" charset="0"/>
+                <a:ea typeface="Nunito" charset="0"/>
+                <a:cs typeface="Nunito" charset="0"/>
+              </a:rPr>
               <a:t>Organizers don’t have the time to do proper research</a:t>
             </a:r>
           </a:p>
           <a:p>
             <a:pPr lvl="1"/>
             <a:r>
-              <a:rPr lang="en-CA" dirty="0" smtClean="0"/>
+              <a:rPr lang="en-CA" dirty="0" smtClean="0">
+                <a:solidFill>
+                  <a:schemeClr val="tx1">
+                    <a:lumMod val="75000"/>
+                    <a:lumOff val="25000"/>
+                  </a:schemeClr>
+                </a:solidFill>
+                <a:latin typeface="Nunito" charset="0"/>
+                <a:ea typeface="Nunito" charset="0"/>
+                <a:cs typeface="Nunito" charset="0"/>
+              </a:rPr>
               <a:t>Organizers think it’s too complicated / too much work to suit everyone’s needs</a:t>
             </a:r>
-            <a:endParaRPr lang="en-CA" dirty="0"/>
-          </a:p>
-          <a:p>
-            <a:r>
-              <a:rPr lang="en-CA" dirty="0" smtClean="0"/>
+            <a:endParaRPr lang="en-CA" dirty="0">
+              <a:solidFill>
+                <a:schemeClr val="tx1">
+                  <a:lumMod val="75000"/>
+                  <a:lumOff val="25000"/>
+                </a:schemeClr>
+              </a:solidFill>
+              <a:latin typeface="Nunito" charset="0"/>
+              <a:ea typeface="Nunito" charset="0"/>
+              <a:cs typeface="Nunito" charset="0"/>
+            </a:endParaRPr>
+          </a:p>
+          <a:p>
+            <a:r>
+              <a:rPr lang="en-CA" dirty="0" smtClean="0">
+                <a:solidFill>
+                  <a:schemeClr val="tx1">
+                    <a:lumMod val="75000"/>
+                    <a:lumOff val="25000"/>
+                  </a:schemeClr>
+                </a:solidFill>
+                <a:latin typeface="Nunito" charset="0"/>
+                <a:ea typeface="Nunito" charset="0"/>
+                <a:cs typeface="Nunito" charset="0"/>
+              </a:rPr>
               <a:t>This leads to negative feedback about the events</a:t>
             </a:r>
           </a:p>
           <a:p>
             <a:pPr lvl="1"/>
-            <a:endParaRPr lang="en-CA" dirty="0"/>
+            <a:endParaRPr lang="en-CA" dirty="0">
+              <a:solidFill>
+                <a:schemeClr val="tx1">
+                  <a:lumMod val="75000"/>
+                  <a:lumOff val="25000"/>
+                </a:schemeClr>
+              </a:solidFill>
+              <a:latin typeface="Nunito" charset="0"/>
+              <a:ea typeface="Nunito" charset="0"/>
+              <a:cs typeface="Nunito" charset="0"/>
+            </a:endParaRPr>
           </a:p>
           <a:p>
             <a:pPr lvl="1"/>
-            <a:endParaRPr lang="en-CA" dirty="0" smtClean="0"/>
+            <a:endParaRPr lang="en-CA" dirty="0" smtClean="0">
+              <a:solidFill>
+                <a:schemeClr val="tx1">
+                  <a:lumMod val="75000"/>
+                  <a:lumOff val="25000"/>
+                </a:schemeClr>
+              </a:solidFill>
+              <a:latin typeface="Nunito" charset="0"/>
+              <a:ea typeface="Nunito" charset="0"/>
+              <a:cs typeface="Nunito" charset="0"/>
+            </a:endParaRPr>
           </a:p>
         </p:txBody>
       </p:sp>
@@ -3582,10 +3702,30 @@
           <a:lstStyle/>
           <a:p>
             <a:r>
-              <a:rPr lang="en-US" dirty="0" smtClean="0"/>
+              <a:rPr lang="en-US" b="1" dirty="0" smtClean="0">
+                <a:solidFill>
+                  <a:schemeClr val="tx1">
+                    <a:lumMod val="75000"/>
+                    <a:lumOff val="25000"/>
+                  </a:schemeClr>
+                </a:solidFill>
+                <a:latin typeface="Nunito" charset="0"/>
+                <a:ea typeface="Nunito" charset="0"/>
+                <a:cs typeface="Nunito" charset="0"/>
+              </a:rPr>
               <a:t>Competitors</a:t>
             </a:r>
-            <a:endParaRPr lang="en-US" dirty="0"/>
+            <a:endParaRPr lang="en-US" b="1" dirty="0">
+              <a:solidFill>
+                <a:schemeClr val="tx1">
+                  <a:lumMod val="75000"/>
+                  <a:lumOff val="25000"/>
+                </a:schemeClr>
+              </a:solidFill>
+              <a:latin typeface="Nunito" charset="0"/>
+              <a:ea typeface="Nunito" charset="0"/>
+              <a:cs typeface="Nunito" charset="0"/>
+            </a:endParaRPr>
           </a:p>
         </p:txBody>
       </p:sp>
@@ -3605,39 +3745,119 @@
           <a:lstStyle/>
           <a:p>
             <a:r>
-              <a:rPr lang="en-US" dirty="0" smtClean="0"/>
+              <a:rPr lang="en-US" dirty="0" smtClean="0">
+                <a:solidFill>
+                  <a:schemeClr val="tx1">
+                    <a:lumMod val="75000"/>
+                    <a:lumOff val="25000"/>
+                  </a:schemeClr>
+                </a:solidFill>
+                <a:latin typeface="Nunito" charset="0"/>
+                <a:ea typeface="Nunito" charset="0"/>
+                <a:cs typeface="Nunito" charset="0"/>
+              </a:rPr>
               <a:t>Two competitors: </a:t>
             </a:r>
             <a:r>
-              <a:rPr lang="en-US" dirty="0" err="1" smtClean="0"/>
+              <a:rPr lang="en-US" dirty="0" err="1" smtClean="0">
+                <a:solidFill>
+                  <a:schemeClr val="tx1">
+                    <a:lumMod val="75000"/>
+                    <a:lumOff val="25000"/>
+                  </a:schemeClr>
+                </a:solidFill>
+                <a:latin typeface="Nunito" charset="0"/>
+                <a:ea typeface="Nunito" charset="0"/>
+                <a:cs typeface="Nunito" charset="0"/>
+              </a:rPr>
               <a:t>Platterz</a:t>
             </a:r>
             <a:r>
-              <a:rPr lang="en-US" dirty="0" smtClean="0"/>
+              <a:rPr lang="en-US" dirty="0" smtClean="0">
+                <a:solidFill>
+                  <a:schemeClr val="tx1">
+                    <a:lumMod val="75000"/>
+                    <a:lumOff val="25000"/>
+                  </a:schemeClr>
+                </a:solidFill>
+                <a:latin typeface="Nunito" charset="0"/>
+                <a:ea typeface="Nunito" charset="0"/>
+                <a:cs typeface="Nunito" charset="0"/>
+              </a:rPr>
               <a:t> and </a:t>
             </a:r>
             <a:r>
-              <a:rPr lang="en-US" dirty="0" err="1" smtClean="0"/>
+              <a:rPr lang="en-US" dirty="0" err="1" smtClean="0">
+                <a:solidFill>
+                  <a:schemeClr val="tx1">
+                    <a:lumMod val="75000"/>
+                    <a:lumOff val="25000"/>
+                  </a:schemeClr>
+                </a:solidFill>
+                <a:latin typeface="Nunito" charset="0"/>
+                <a:ea typeface="Nunito" charset="0"/>
+                <a:cs typeface="Nunito" charset="0"/>
+              </a:rPr>
               <a:t>Ezcater</a:t>
             </a:r>
-            <a:endParaRPr lang="en-US" dirty="0" smtClean="0"/>
+            <a:endParaRPr lang="en-US" dirty="0" smtClean="0">
+              <a:solidFill>
+                <a:schemeClr val="tx1">
+                  <a:lumMod val="75000"/>
+                  <a:lumOff val="25000"/>
+                </a:schemeClr>
+              </a:solidFill>
+              <a:latin typeface="Nunito" charset="0"/>
+              <a:ea typeface="Nunito" charset="0"/>
+              <a:cs typeface="Nunito" charset="0"/>
+            </a:endParaRPr>
           </a:p>
           <a:p>
             <a:pPr lvl="1"/>
             <a:r>
-              <a:rPr lang="en-US" dirty="0" smtClean="0"/>
+              <a:rPr lang="en-US" dirty="0" smtClean="0">
+                <a:solidFill>
+                  <a:schemeClr val="tx1">
+                    <a:lumMod val="75000"/>
+                    <a:lumOff val="25000"/>
+                  </a:schemeClr>
+                </a:solidFill>
+                <a:latin typeface="Nunito" charset="0"/>
+                <a:ea typeface="Nunito" charset="0"/>
+                <a:cs typeface="Nunito" charset="0"/>
+              </a:rPr>
               <a:t>Business oriented</a:t>
             </a:r>
           </a:p>
           <a:p>
             <a:pPr lvl="1"/>
             <a:r>
-              <a:rPr lang="en-US" dirty="0" smtClean="0"/>
+              <a:rPr lang="en-US" dirty="0" smtClean="0">
+                <a:solidFill>
+                  <a:schemeClr val="tx1">
+                    <a:lumMod val="75000"/>
+                    <a:lumOff val="25000"/>
+                  </a:schemeClr>
+                </a:solidFill>
+                <a:latin typeface="Nunito" charset="0"/>
+                <a:ea typeface="Nunito" charset="0"/>
+                <a:cs typeface="Nunito" charset="0"/>
+              </a:rPr>
               <a:t>No survey, catering only</a:t>
             </a:r>
           </a:p>
           <a:p>
-            <a:endParaRPr lang="en-US" dirty="0"/>
+            <a:endParaRPr lang="en-US" dirty="0">
+              <a:solidFill>
+                <a:schemeClr val="tx1">
+                  <a:lumMod val="75000"/>
+                  <a:lumOff val="25000"/>
+                </a:schemeClr>
+              </a:solidFill>
+              <a:latin typeface="Nunito" charset="0"/>
+              <a:ea typeface="Nunito" charset="0"/>
+              <a:cs typeface="Nunito" charset="0"/>
+            </a:endParaRPr>
           </a:p>
         </p:txBody>
       </p:sp>
@@ -3780,10 +4000,30 @@
           <a:lstStyle/>
           <a:p>
             <a:r>
-              <a:rPr lang="en-US" dirty="0" smtClean="0"/>
+              <a:rPr lang="en-US" b="1" dirty="0" smtClean="0">
+                <a:solidFill>
+                  <a:schemeClr val="tx1">
+                    <a:lumMod val="75000"/>
+                    <a:lumOff val="25000"/>
+                  </a:schemeClr>
+                </a:solidFill>
+                <a:latin typeface="Nunito" charset="0"/>
+                <a:ea typeface="Nunito" charset="0"/>
+                <a:cs typeface="Nunito" charset="0"/>
+              </a:rPr>
               <a:t>Market Analysis</a:t>
             </a:r>
-            <a:endParaRPr lang="en-US" dirty="0"/>
+            <a:endParaRPr lang="en-US" b="1" dirty="0">
+              <a:solidFill>
+                <a:schemeClr val="tx1">
+                  <a:lumMod val="75000"/>
+                  <a:lumOff val="25000"/>
+                </a:schemeClr>
+              </a:solidFill>
+              <a:latin typeface="Nunito" charset="0"/>
+              <a:ea typeface="Nunito" charset="0"/>
+              <a:cs typeface="Nunito" charset="0"/>
+            </a:endParaRPr>
           </a:p>
         </p:txBody>
       </p:sp>
@@ -3803,27 +4043,87 @@
           <a:lstStyle/>
           <a:p>
             <a:r>
-              <a:rPr lang="en-US" dirty="0" smtClean="0"/>
+              <a:rPr lang="en-US" dirty="0" smtClean="0">
+                <a:solidFill>
+                  <a:schemeClr val="tx1">
+                    <a:lumMod val="75000"/>
+                    <a:lumOff val="25000"/>
+                  </a:schemeClr>
+                </a:solidFill>
+                <a:latin typeface="Nunito" charset="0"/>
+                <a:ea typeface="Nunito" charset="0"/>
+                <a:cs typeface="Nunito" charset="0"/>
+              </a:rPr>
               <a:t>2016: Approximately 94,000 food related businesses in Canada in comparison to about 5,000 catering establishments</a:t>
             </a:r>
           </a:p>
           <a:p>
-            <a:endParaRPr lang="en-US" dirty="0"/>
-          </a:p>
-          <a:p>
-            <a:endParaRPr lang="en-US" dirty="0" smtClean="0"/>
-          </a:p>
-          <a:p>
-            <a:r>
-              <a:rPr lang="en-US" dirty="0" smtClean="0"/>
+            <a:endParaRPr lang="en-US" dirty="0">
+              <a:solidFill>
+                <a:schemeClr val="tx1">
+                  <a:lumMod val="75000"/>
+                  <a:lumOff val="25000"/>
+                </a:schemeClr>
+              </a:solidFill>
+              <a:latin typeface="Nunito" charset="0"/>
+              <a:ea typeface="Nunito" charset="0"/>
+              <a:cs typeface="Nunito" charset="0"/>
+            </a:endParaRPr>
+          </a:p>
+          <a:p>
+            <a:endParaRPr lang="en-US" dirty="0" smtClean="0">
+              <a:solidFill>
+                <a:schemeClr val="tx1">
+                  <a:lumMod val="75000"/>
+                  <a:lumOff val="25000"/>
+                </a:schemeClr>
+              </a:solidFill>
+              <a:latin typeface="Nunito" charset="0"/>
+              <a:ea typeface="Nunito" charset="0"/>
+              <a:cs typeface="Nunito" charset="0"/>
+            </a:endParaRPr>
+          </a:p>
+          <a:p>
+            <a:r>
+              <a:rPr lang="en-US" dirty="0" smtClean="0">
+                <a:solidFill>
+                  <a:schemeClr val="tx1">
+                    <a:lumMod val="75000"/>
+                    <a:lumOff val="25000"/>
+                  </a:schemeClr>
+                </a:solidFill>
+                <a:latin typeface="Nunito" charset="0"/>
+                <a:ea typeface="Nunito" charset="0"/>
+                <a:cs typeface="Nunito" charset="0"/>
+              </a:rPr>
               <a:t>2012: over 2.6 million Canadians have self-reported having 1+ food allergy</a:t>
             </a:r>
           </a:p>
           <a:p>
-            <a:endParaRPr lang="en-US" dirty="0"/>
-          </a:p>
-          <a:p>
-            <a:endParaRPr lang="en-US" dirty="0"/>
+            <a:endParaRPr lang="en-US" dirty="0">
+              <a:solidFill>
+                <a:schemeClr val="tx1">
+                  <a:lumMod val="75000"/>
+                  <a:lumOff val="25000"/>
+                </a:schemeClr>
+              </a:solidFill>
+              <a:latin typeface="Nunito" charset="0"/>
+              <a:ea typeface="Nunito" charset="0"/>
+              <a:cs typeface="Nunito" charset="0"/>
+            </a:endParaRPr>
+          </a:p>
+          <a:p>
+            <a:endParaRPr lang="en-US" dirty="0">
+              <a:solidFill>
+                <a:schemeClr val="tx1">
+                  <a:lumMod val="75000"/>
+                  <a:lumOff val="25000"/>
+                </a:schemeClr>
+              </a:solidFill>
+              <a:latin typeface="Nunito" charset="0"/>
+              <a:ea typeface="Nunito" charset="0"/>
+              <a:cs typeface="Nunito" charset="0"/>
+            </a:endParaRPr>
           </a:p>
         </p:txBody>
       </p:sp>
@@ -3966,10 +4266,30 @@
           <a:lstStyle/>
           <a:p>
             <a:r>
-              <a:rPr lang="en-US" dirty="0" smtClean="0"/>
+              <a:rPr lang="en-US" b="1" dirty="0" smtClean="0">
+                <a:solidFill>
+                  <a:schemeClr val="tx1">
+                    <a:lumMod val="75000"/>
+                    <a:lumOff val="25000"/>
+                  </a:schemeClr>
+                </a:solidFill>
+                <a:latin typeface="Nunito" charset="0"/>
+                <a:ea typeface="Nunito" charset="0"/>
+                <a:cs typeface="Nunito" charset="0"/>
+              </a:rPr>
               <a:t>Solution</a:t>
             </a:r>
-            <a:endParaRPr lang="en-US" dirty="0"/>
+            <a:endParaRPr lang="en-US" b="1" dirty="0">
+              <a:solidFill>
+                <a:schemeClr val="tx1">
+                  <a:lumMod val="75000"/>
+                  <a:lumOff val="25000"/>
+                </a:schemeClr>
+              </a:solidFill>
+              <a:latin typeface="Nunito" charset="0"/>
+              <a:ea typeface="Nunito" charset="0"/>
+              <a:cs typeface="Nunito" charset="0"/>
+            </a:endParaRPr>
           </a:p>
         </p:txBody>
       </p:sp>
@@ -3989,24 +4309,64 @@
           <a:lstStyle/>
           <a:p>
             <a:r>
-              <a:rPr lang="en-US" dirty="0" smtClean="0"/>
+              <a:rPr lang="en-US" dirty="0" smtClean="0">
+                <a:solidFill>
+                  <a:schemeClr val="tx1">
+                    <a:lumMod val="75000"/>
+                    <a:lumOff val="25000"/>
+                  </a:schemeClr>
+                </a:solidFill>
+                <a:latin typeface="Nunito" charset="0"/>
+                <a:ea typeface="Nunito" charset="0"/>
+                <a:cs typeface="Nunito" charset="0"/>
+              </a:rPr>
               <a:t>An application that will take the frustration out of finding catering and makes events more inclusive</a:t>
             </a:r>
           </a:p>
           <a:p>
             <a:r>
-              <a:rPr lang="en-US" dirty="0" smtClean="0"/>
-              <a:t>Dietary restrictions and allergies are put into consideration </a:t>
-            </a:r>
-          </a:p>
-          <a:p>
-            <a:r>
-              <a:rPr lang="en-US" dirty="0" smtClean="0"/>
+              <a:rPr lang="en-US" dirty="0" smtClean="0">
+                <a:solidFill>
+                  <a:schemeClr val="tx1">
+                    <a:lumMod val="75000"/>
+                    <a:lumOff val="25000"/>
+                  </a:schemeClr>
+                </a:solidFill>
+                <a:latin typeface="Nunito" charset="0"/>
+                <a:ea typeface="Nunito" charset="0"/>
+                <a:cs typeface="Nunito" charset="0"/>
+              </a:rPr>
+              <a:t>Dietary restrictions and allergens are put into consideration </a:t>
+            </a:r>
+          </a:p>
+          <a:p>
+            <a:r>
+              <a:rPr lang="en-US" dirty="0" smtClean="0">
+                <a:solidFill>
+                  <a:schemeClr val="tx1">
+                    <a:lumMod val="75000"/>
+                    <a:lumOff val="25000"/>
+                  </a:schemeClr>
+                </a:solidFill>
+                <a:latin typeface="Nunito" charset="0"/>
+                <a:ea typeface="Nunito" charset="0"/>
+                <a:cs typeface="Nunito" charset="0"/>
+              </a:rPr>
               <a:t>Everyone’s a part of the success of the planning</a:t>
             </a:r>
           </a:p>
           <a:p>
-            <a:endParaRPr lang="en-US" dirty="0"/>
+            <a:endParaRPr lang="en-US" dirty="0">
+              <a:solidFill>
+                <a:schemeClr val="tx1">
+                  <a:lumMod val="75000"/>
+                  <a:lumOff val="25000"/>
+                </a:schemeClr>
+              </a:solidFill>
+              <a:latin typeface="Nunito" charset="0"/>
+              <a:ea typeface="Nunito" charset="0"/>
+              <a:cs typeface="Nunito" charset="0"/>
+            </a:endParaRPr>
           </a:p>
         </p:txBody>
       </p:sp>
